--- a/Calendario2023/presentaciones/10_DiccionariosTuplas.pptx
+++ b/Calendario2023/presentaciones/10_DiccionariosTuplas.pptx
@@ -5,7 +5,7 @@
     <p:sldMasterId id="2147483648" r:id="rId1"/>
   </p:sldMasterIdLst>
   <p:notesMasterIdLst>
-    <p:notesMasterId r:id="rId20"/>
+    <p:notesMasterId r:id="rId21"/>
   </p:notesMasterIdLst>
   <p:sldIdLst>
     <p:sldId id="283" r:id="rId2"/>
@@ -14,18 +14,19 @@
     <p:sldId id="326" r:id="rId5"/>
     <p:sldId id="327" r:id="rId6"/>
     <p:sldId id="328" r:id="rId7"/>
-    <p:sldId id="259" r:id="rId8"/>
-    <p:sldId id="314" r:id="rId9"/>
-    <p:sldId id="315" r:id="rId10"/>
-    <p:sldId id="316" r:id="rId11"/>
-    <p:sldId id="317" r:id="rId12"/>
-    <p:sldId id="318" r:id="rId13"/>
-    <p:sldId id="319" r:id="rId14"/>
-    <p:sldId id="320" r:id="rId15"/>
-    <p:sldId id="321" r:id="rId16"/>
-    <p:sldId id="322" r:id="rId17"/>
-    <p:sldId id="323" r:id="rId18"/>
-    <p:sldId id="282" r:id="rId19"/>
+    <p:sldId id="329" r:id="rId8"/>
+    <p:sldId id="259" r:id="rId9"/>
+    <p:sldId id="314" r:id="rId10"/>
+    <p:sldId id="315" r:id="rId11"/>
+    <p:sldId id="316" r:id="rId12"/>
+    <p:sldId id="317" r:id="rId13"/>
+    <p:sldId id="318" r:id="rId14"/>
+    <p:sldId id="319" r:id="rId15"/>
+    <p:sldId id="320" r:id="rId16"/>
+    <p:sldId id="321" r:id="rId17"/>
+    <p:sldId id="322" r:id="rId18"/>
+    <p:sldId id="323" r:id="rId19"/>
+    <p:sldId id="282" r:id="rId20"/>
   </p:sldIdLst>
   <p:sldSz cx="9144000" cy="6858000" type="screen4x3"/>
   <p:notesSz cx="6858000" cy="9144000"/>
@@ -225,7 +226,7 @@
           <a:p>
             <a:fld id="{59C7E2AA-6A4C-4042-9554-ED2A913B287A}" type="datetimeFigureOut">
               <a:rPr lang="es-MX" smtClean="0"/>
-              <a:t>19/08/2022</a:t>
+              <a:t>24/02/2023</a:t>
             </a:fld>
             <a:endParaRPr lang="es-MX" dirty="0"/>
           </a:p>
@@ -751,7 +752,7 @@
     </p:spTree>
     <p:extLst>
       <p:ext uri="{BB962C8B-B14F-4D97-AF65-F5344CB8AC3E}">
-        <p14:creationId xmlns:p14="http://schemas.microsoft.com/office/powerpoint/2010/main" val="2500041117"/>
+        <p14:creationId xmlns:p14="http://schemas.microsoft.com/office/powerpoint/2010/main" val="3941803254"/>
       </p:ext>
     </p:extLst>
   </p:cSld>
@@ -885,7 +886,7 @@
     </p:spTree>
     <p:extLst>
       <p:ext uri="{BB962C8B-B14F-4D97-AF65-F5344CB8AC3E}">
-        <p14:creationId xmlns:p14="http://schemas.microsoft.com/office/powerpoint/2010/main" val="1763860610"/>
+        <p14:creationId xmlns:p14="http://schemas.microsoft.com/office/powerpoint/2010/main" val="2500041117"/>
       </p:ext>
     </p:extLst>
   </p:cSld>
@@ -1019,7 +1020,7 @@
     </p:spTree>
     <p:extLst>
       <p:ext uri="{BB962C8B-B14F-4D97-AF65-F5344CB8AC3E}">
-        <p14:creationId xmlns:p14="http://schemas.microsoft.com/office/powerpoint/2010/main" val="3488377930"/>
+        <p14:creationId xmlns:p14="http://schemas.microsoft.com/office/powerpoint/2010/main" val="1763860610"/>
       </p:ext>
     </p:extLst>
   </p:cSld>
@@ -1153,7 +1154,7 @@
     </p:spTree>
     <p:extLst>
       <p:ext uri="{BB962C8B-B14F-4D97-AF65-F5344CB8AC3E}">
-        <p14:creationId xmlns:p14="http://schemas.microsoft.com/office/powerpoint/2010/main" val="1509521934"/>
+        <p14:creationId xmlns:p14="http://schemas.microsoft.com/office/powerpoint/2010/main" val="3488377930"/>
       </p:ext>
     </p:extLst>
   </p:cSld>
@@ -1287,7 +1288,7 @@
     </p:spTree>
     <p:extLst>
       <p:ext uri="{BB962C8B-B14F-4D97-AF65-F5344CB8AC3E}">
-        <p14:creationId xmlns:p14="http://schemas.microsoft.com/office/powerpoint/2010/main" val="130448521"/>
+        <p14:creationId xmlns:p14="http://schemas.microsoft.com/office/powerpoint/2010/main" val="1509521934"/>
       </p:ext>
     </p:extLst>
   </p:cSld>
@@ -1421,6 +1422,140 @@
     </p:spTree>
     <p:extLst>
       <p:ext uri="{BB962C8B-B14F-4D97-AF65-F5344CB8AC3E}">
+        <p14:creationId xmlns:p14="http://schemas.microsoft.com/office/powerpoint/2010/main" val="130448521"/>
+      </p:ext>
+    </p:extLst>
+  </p:cSld>
+  <p:clrMapOvr>
+    <a:masterClrMapping/>
+  </p:clrMapOvr>
+</p:notes>
+</file>
+
+<file path=ppt/notesSlides/notesSlide16.xml><?xml version="1.0" encoding="utf-8"?>
+<p:notes xmlns:a="http://schemas.openxmlformats.org/drawingml/2006/main" xmlns:r="http://schemas.openxmlformats.org/officeDocument/2006/relationships" xmlns:p="http://schemas.openxmlformats.org/presentationml/2006/main">
+  <p:cSld>
+    <p:spTree>
+      <p:nvGrpSpPr>
+        <p:cNvPr id="1" name=""/>
+        <p:cNvGrpSpPr/>
+        <p:nvPr/>
+      </p:nvGrpSpPr>
+      <p:grpSpPr>
+        <a:xfrm>
+          <a:off x="0" y="0"/>
+          <a:ext cx="0" cy="0"/>
+          <a:chOff x="0" y="0"/>
+          <a:chExt cx="0" cy="0"/>
+        </a:xfrm>
+      </p:grpSpPr>
+      <p:sp>
+        <p:nvSpPr>
+          <p:cNvPr id="24578" name="Rectangle 2"/>
+          <p:cNvSpPr>
+            <a:spLocks noGrp="1" noRot="1" noChangeAspect="1" noChangeArrowheads="1" noTextEdit="1"/>
+          </p:cNvSpPr>
+          <p:nvPr>
+            <p:ph type="sldImg"/>
+          </p:nvPr>
+        </p:nvSpPr>
+        <p:spPr bwMode="auto">
+          <a:xfrm>
+            <a:off x="1144588" y="685800"/>
+            <a:ext cx="4568825" cy="3427413"/>
+          </a:xfrm>
+          <a:prstGeom prst="rect">
+            <a:avLst/>
+          </a:prstGeom>
+          <a:noFill/>
+          <a:ln w="12700">
+            <a:solidFill>
+              <a:srgbClr val="000000"/>
+            </a:solidFill>
+            <a:miter lim="800000"/>
+            <a:headEnd/>
+            <a:tailEnd/>
+          </a:ln>
+          <a:extLst>
+            <a:ext uri="{909E8E84-426E-40DD-AFC4-6F175D3DCCD1}">
+              <a14:hiddenFill xmlns:a14="http://schemas.microsoft.com/office/drawing/2010/main">
+                <a:solidFill>
+                  <a:srgbClr val="FFFFFF"/>
+                </a:solidFill>
+              </a14:hiddenFill>
+            </a:ext>
+            <a:ext uri="{AF507438-7753-43E0-B8FC-AC1667EBCBE1}">
+              <a14:hiddenEffects xmlns:a14="http://schemas.microsoft.com/office/drawing/2010/main">
+                <a:effectLst>
+                  <a:outerShdw dist="35921" dir="2700000" algn="ctr" rotWithShape="0">
+                    <a:srgbClr val="808080"/>
+                  </a:outerShdw>
+                </a:effectLst>
+              </a14:hiddenEffects>
+            </a:ext>
+            <a:ext uri="{53640926-AAD7-44D8-BBD7-CCE9431645EC}">
+              <a14:shadowObscured xmlns:a14="http://schemas.microsoft.com/office/drawing/2010/main" val="1"/>
+            </a:ext>
+          </a:extLst>
+        </p:spPr>
+      </p:sp>
+      <p:sp>
+        <p:nvSpPr>
+          <p:cNvPr id="24579" name="Rectangle 3"/>
+          <p:cNvSpPr>
+            <a:spLocks noGrp="1" noChangeArrowheads="1"/>
+          </p:cNvSpPr>
+          <p:nvPr>
+            <p:ph type="body" idx="1"/>
+          </p:nvPr>
+        </p:nvSpPr>
+        <p:spPr bwMode="auto">
+          <a:xfrm>
+            <a:off x="914920" y="4346020"/>
+            <a:ext cx="5028161" cy="4111437"/>
+          </a:xfrm>
+          <a:prstGeom prst="rect">
+            <a:avLst/>
+          </a:prstGeom>
+          <a:solidFill>
+            <a:srgbClr val="FFFFFF"/>
+          </a:solidFill>
+          <a:ln w="12700">
+            <a:solidFill>
+              <a:srgbClr val="000000"/>
+            </a:solidFill>
+            <a:miter lim="800000"/>
+            <a:headEnd/>
+            <a:tailEnd/>
+          </a:ln>
+          <a:extLst>
+            <a:ext uri="{AF507438-7753-43E0-B8FC-AC1667EBCBE1}">
+              <a14:hiddenEffects xmlns:a14="http://schemas.microsoft.com/office/drawing/2010/main">
+                <a:effectLst>
+                  <a:outerShdw dist="35921" dir="2700000" algn="ctr" rotWithShape="0">
+                    <a:schemeClr val="bg2"/>
+                  </a:outerShdw>
+                </a:effectLst>
+              </a14:hiddenEffects>
+            </a:ext>
+          </a:extLst>
+        </p:spPr>
+        <p:txBody>
+          <a:bodyPr lIns="90574" tIns="45288" rIns="90574" bIns="45288"/>
+          <a:lstStyle/>
+          <a:p>
+            <a:pPr defTabSz="899495">
+              <a:spcBef>
+                <a:spcPct val="0"/>
+              </a:spcBef>
+            </a:pPr>
+            <a:endParaRPr lang="es-MX" dirty="0"/>
+          </a:p>
+        </p:txBody>
+      </p:sp>
+    </p:spTree>
+    <p:extLst>
+      <p:ext uri="{BB962C8B-B14F-4D97-AF65-F5344CB8AC3E}">
         <p14:creationId xmlns:p14="http://schemas.microsoft.com/office/powerpoint/2010/main" val="1827101723"/>
       </p:ext>
     </p:extLst>
@@ -1431,7 +1566,7 @@
 </p:notes>
 </file>
 
-<file path=ppt/notesSlides/notesSlide16.xml><?xml version="1.0" encoding="utf-8"?>
+<file path=ppt/notesSlides/notesSlide17.xml><?xml version="1.0" encoding="utf-8"?>
 <p:notes xmlns:a="http://schemas.openxmlformats.org/drawingml/2006/main" xmlns:r="http://schemas.openxmlformats.org/officeDocument/2006/relationships" xmlns:p="http://schemas.openxmlformats.org/presentationml/2006/main">
   <p:cSld>
     <p:spTree>
@@ -2225,7 +2360,7 @@
     </p:spTree>
     <p:extLst>
       <p:ext uri="{BB962C8B-B14F-4D97-AF65-F5344CB8AC3E}">
-        <p14:creationId xmlns:p14="http://schemas.microsoft.com/office/powerpoint/2010/main" val="538302000"/>
+        <p14:creationId xmlns:p14="http://schemas.microsoft.com/office/powerpoint/2010/main" val="1582964826"/>
       </p:ext>
     </p:extLst>
   </p:cSld>
@@ -2359,7 +2494,7 @@
     </p:spTree>
     <p:extLst>
       <p:ext uri="{BB962C8B-B14F-4D97-AF65-F5344CB8AC3E}">
-        <p14:creationId xmlns:p14="http://schemas.microsoft.com/office/powerpoint/2010/main" val="109225171"/>
+        <p14:creationId xmlns:p14="http://schemas.microsoft.com/office/powerpoint/2010/main" val="538302000"/>
       </p:ext>
     </p:extLst>
   </p:cSld>
@@ -2493,7 +2628,7 @@
     </p:spTree>
     <p:extLst>
       <p:ext uri="{BB962C8B-B14F-4D97-AF65-F5344CB8AC3E}">
-        <p14:creationId xmlns:p14="http://schemas.microsoft.com/office/powerpoint/2010/main" val="1183084987"/>
+        <p14:creationId xmlns:p14="http://schemas.microsoft.com/office/powerpoint/2010/main" val="109225171"/>
       </p:ext>
     </p:extLst>
   </p:cSld>
@@ -2627,7 +2762,7 @@
     </p:spTree>
     <p:extLst>
       <p:ext uri="{BB962C8B-B14F-4D97-AF65-F5344CB8AC3E}">
-        <p14:creationId xmlns:p14="http://schemas.microsoft.com/office/powerpoint/2010/main" val="3941803254"/>
+        <p14:creationId xmlns:p14="http://schemas.microsoft.com/office/powerpoint/2010/main" val="1183084987"/>
       </p:ext>
     </p:extLst>
   </p:cSld>
@@ -2818,7 +2953,7 @@
           <a:p>
             <a:fld id="{BAE3B62E-9D6B-4C41-BFE5-D19C53A0513B}" type="datetimeFigureOut">
               <a:rPr lang="es-MX" smtClean="0"/>
-              <a:t>19/08/2022</a:t>
+              <a:t>24/02/2023</a:t>
             </a:fld>
             <a:endParaRPr lang="es-MX" dirty="0"/>
           </a:p>
@@ -2988,7 +3123,7 @@
           <a:p>
             <a:fld id="{BAE3B62E-9D6B-4C41-BFE5-D19C53A0513B}" type="datetimeFigureOut">
               <a:rPr lang="es-MX" smtClean="0"/>
-              <a:t>19/08/2022</a:t>
+              <a:t>24/02/2023</a:t>
             </a:fld>
             <a:endParaRPr lang="es-MX" dirty="0"/>
           </a:p>
@@ -3168,7 +3303,7 @@
           <a:p>
             <a:fld id="{BAE3B62E-9D6B-4C41-BFE5-D19C53A0513B}" type="datetimeFigureOut">
               <a:rPr lang="es-MX" smtClean="0"/>
-              <a:t>19/08/2022</a:t>
+              <a:t>24/02/2023</a:t>
             </a:fld>
             <a:endParaRPr lang="es-MX" dirty="0"/>
           </a:p>
@@ -3321,7 +3456,7 @@
           <a:p>
             <a:fld id="{1D8BD707-D9CF-40AE-B4C6-C98DA3205C09}" type="datetimeFigureOut">
               <a:rPr lang="en-US" smtClean="0"/>
-              <a:t>8/19/2022</a:t>
+              <a:t>2/24/2023</a:t>
             </a:fld>
             <a:endParaRPr lang="en-US"/>
           </a:p>
@@ -3481,7 +3616,7 @@
           <a:p>
             <a:fld id="{BAE3B62E-9D6B-4C41-BFE5-D19C53A0513B}" type="datetimeFigureOut">
               <a:rPr lang="es-MX" smtClean="0"/>
-              <a:t>19/08/2022</a:t>
+              <a:t>24/02/2023</a:t>
             </a:fld>
             <a:endParaRPr lang="es-MX" dirty="0"/>
           </a:p>
@@ -3727,7 +3862,7 @@
           <a:p>
             <a:fld id="{BAE3B62E-9D6B-4C41-BFE5-D19C53A0513B}" type="datetimeFigureOut">
               <a:rPr lang="es-MX" smtClean="0"/>
-              <a:t>19/08/2022</a:t>
+              <a:t>24/02/2023</a:t>
             </a:fld>
             <a:endParaRPr lang="es-MX" dirty="0"/>
           </a:p>
@@ -4015,7 +4150,7 @@
           <a:p>
             <a:fld id="{BAE3B62E-9D6B-4C41-BFE5-D19C53A0513B}" type="datetimeFigureOut">
               <a:rPr lang="es-MX" smtClean="0"/>
-              <a:t>19/08/2022</a:t>
+              <a:t>24/02/2023</a:t>
             </a:fld>
             <a:endParaRPr lang="es-MX" dirty="0"/>
           </a:p>
@@ -4437,7 +4572,7 @@
           <a:p>
             <a:fld id="{BAE3B62E-9D6B-4C41-BFE5-D19C53A0513B}" type="datetimeFigureOut">
               <a:rPr lang="es-MX" smtClean="0"/>
-              <a:t>19/08/2022</a:t>
+              <a:t>24/02/2023</a:t>
             </a:fld>
             <a:endParaRPr lang="es-MX" dirty="0"/>
           </a:p>
@@ -4555,7 +4690,7 @@
           <a:p>
             <a:fld id="{BAE3B62E-9D6B-4C41-BFE5-D19C53A0513B}" type="datetimeFigureOut">
               <a:rPr lang="es-MX" smtClean="0"/>
-              <a:t>19/08/2022</a:t>
+              <a:t>24/02/2023</a:t>
             </a:fld>
             <a:endParaRPr lang="es-MX" dirty="0"/>
           </a:p>
@@ -4650,7 +4785,7 @@
           <a:p>
             <a:fld id="{BAE3B62E-9D6B-4C41-BFE5-D19C53A0513B}" type="datetimeFigureOut">
               <a:rPr lang="es-MX" smtClean="0"/>
-              <a:t>19/08/2022</a:t>
+              <a:t>24/02/2023</a:t>
             </a:fld>
             <a:endParaRPr lang="es-MX" dirty="0"/>
           </a:p>
@@ -4927,7 +5062,7 @@
           <a:p>
             <a:fld id="{BAE3B62E-9D6B-4C41-BFE5-D19C53A0513B}" type="datetimeFigureOut">
               <a:rPr lang="es-MX" smtClean="0"/>
-              <a:t>19/08/2022</a:t>
+              <a:t>24/02/2023</a:t>
             </a:fld>
             <a:endParaRPr lang="es-MX" dirty="0"/>
           </a:p>
@@ -5180,7 +5315,7 @@
           <a:p>
             <a:fld id="{BAE3B62E-9D6B-4C41-BFE5-D19C53A0513B}" type="datetimeFigureOut">
               <a:rPr lang="es-MX" smtClean="0"/>
-              <a:t>19/08/2022</a:t>
+              <a:t>24/02/2023</a:t>
             </a:fld>
             <a:endParaRPr lang="es-MX" dirty="0"/>
           </a:p>
@@ -5393,7 +5528,7 @@
           <a:p>
             <a:fld id="{BAE3B62E-9D6B-4C41-BFE5-D19C53A0513B}" type="datetimeFigureOut">
               <a:rPr lang="es-MX" smtClean="0"/>
-              <a:t>19/08/2022</a:t>
+              <a:t>24/02/2023</a:t>
             </a:fld>
             <a:endParaRPr lang="es-MX" dirty="0"/>
           </a:p>
@@ -5980,8 +6115,8 @@
         </p:nvSpPr>
         <p:spPr bwMode="auto">
           <a:xfrm>
-            <a:off x="559838" y="1340768"/>
-            <a:ext cx="7835890" cy="1089210"/>
+            <a:off x="559837" y="1340768"/>
+            <a:ext cx="8140757" cy="1089210"/>
           </a:xfrm>
           <a:prstGeom prst="rect">
             <a:avLst/>
@@ -6031,7 +6166,7 @@
                 <a:spcPct val="150000"/>
               </a:lnSpc>
               <a:buFont typeface="+mj-lt"/>
-              <a:buAutoNum type="arabicPeriod" startAt="3"/>
+              <a:buAutoNum type="arabicPeriod" startAt="2"/>
             </a:pPr>
             <a:r>
               <a:rPr lang="es-ES" sz="2300" dirty="0">
@@ -6043,7 +6178,7 @@
                 <a:latin typeface="Arial" pitchFamily="34" charset="0"/>
                 <a:cs typeface="Arial" pitchFamily="34" charset="0"/>
               </a:rPr>
-              <a:t>Para acceder a cada uno de los elementos de una lista dentro de un diccionario, usamos los </a:t>
+              <a:t>Podemos acceder al elemento de un diccionario mediante la </a:t>
             </a:r>
             <a:r>
               <a:rPr lang="es-ES" sz="2300" b="1" dirty="0">
@@ -6055,7 +6190,7 @@
                 <a:latin typeface="Arial" pitchFamily="34" charset="0"/>
                 <a:cs typeface="Arial" pitchFamily="34" charset="0"/>
               </a:rPr>
-              <a:t>índices</a:t>
+              <a:t>clave</a:t>
             </a:r>
             <a:r>
               <a:rPr lang="es-ES" sz="2300" dirty="0">
@@ -6067,7 +6202,7 @@
                 <a:latin typeface="Arial" pitchFamily="34" charset="0"/>
                 <a:cs typeface="Arial" pitchFamily="34" charset="0"/>
               </a:rPr>
-              <a:t>:</a:t>
+              <a:t> de este elemento:</a:t>
             </a:r>
           </a:p>
         </p:txBody>
@@ -6149,10 +6284,10 @@
       </p:sp>
       <p:pic>
         <p:nvPicPr>
-          <p:cNvPr id="4" name="Imagen 3">
+          <p:cNvPr id="3" name="Imagen 2">
             <a:extLst>
               <a:ext uri="{FF2B5EF4-FFF2-40B4-BE49-F238E27FC236}">
-                <a16:creationId xmlns:a16="http://schemas.microsoft.com/office/drawing/2014/main" id="{7E42CDF1-5E08-4367-B01F-3DE46D4CEDE5}"/>
+                <a16:creationId xmlns:a16="http://schemas.microsoft.com/office/drawing/2014/main" id="{45FCAE92-95CB-4215-BD69-59B5AFCCCECF}"/>
               </a:ext>
             </a:extLst>
           </p:cNvPr>
@@ -6169,8 +6304,8 @@
         </p:blipFill>
         <p:spPr>
           <a:xfrm>
-            <a:off x="1043608" y="2708920"/>
-            <a:ext cx="7414622" cy="2160240"/>
+            <a:off x="724043" y="2780928"/>
+            <a:ext cx="7976551" cy="2361914"/>
           </a:xfrm>
           <a:prstGeom prst="rect">
             <a:avLst/>
@@ -6179,10 +6314,10 @@
       </p:pic>
       <p:pic>
         <p:nvPicPr>
-          <p:cNvPr id="7" name="Picture 4">
+          <p:cNvPr id="9" name="Picture 4">
             <a:extLst>
               <a:ext uri="{FF2B5EF4-FFF2-40B4-BE49-F238E27FC236}">
-                <a16:creationId xmlns:a16="http://schemas.microsoft.com/office/drawing/2014/main" id="{35C5C66F-D552-4235-AD84-69FDEF5D63D9}"/>
+                <a16:creationId xmlns:a16="http://schemas.microsoft.com/office/drawing/2014/main" id="{AF431C36-C5E7-4163-9382-54BE0B62C678}"/>
               </a:ext>
             </a:extLst>
           </p:cNvPr>
@@ -6206,7 +6341,7 @@
         </p:blipFill>
         <p:spPr bwMode="auto">
           <a:xfrm>
-            <a:off x="6309095" y="4869160"/>
+            <a:off x="6515759" y="4941168"/>
             <a:ext cx="2171651" cy="1313584"/>
           </a:xfrm>
           <a:prstGeom prst="rect">
@@ -6240,7 +6375,7 @@
     </p:spTree>
     <p:extLst>
       <p:ext uri="{BB962C8B-B14F-4D97-AF65-F5344CB8AC3E}">
-        <p14:creationId xmlns:p14="http://schemas.microsoft.com/office/powerpoint/2010/main" val="1719180147"/>
+        <p14:creationId xmlns:p14="http://schemas.microsoft.com/office/powerpoint/2010/main" val="583684175"/>
       </p:ext>
     </p:extLst>
   </p:cSld>
@@ -6452,6 +6587,427 @@
                 <a:spcPct val="150000"/>
               </a:lnSpc>
               <a:buFont typeface="+mj-lt"/>
+              <a:buAutoNum type="arabicPeriod" startAt="3"/>
+            </a:pPr>
+            <a:r>
+              <a:rPr lang="es-ES" sz="2300" dirty="0">
+                <a:solidFill>
+                  <a:schemeClr val="bg2">
+                    <a:lumMod val="25000"/>
+                  </a:schemeClr>
+                </a:solidFill>
+                <a:latin typeface="Arial" pitchFamily="34" charset="0"/>
+                <a:cs typeface="Arial" pitchFamily="34" charset="0"/>
+              </a:rPr>
+              <a:t>Para acceder a cada uno de los elementos de una lista dentro de un diccionario, usamos los </a:t>
+            </a:r>
+            <a:r>
+              <a:rPr lang="es-ES" sz="2300" b="1" dirty="0">
+                <a:solidFill>
+                  <a:schemeClr val="accent6">
+                    <a:lumMod val="75000"/>
+                  </a:schemeClr>
+                </a:solidFill>
+                <a:latin typeface="Arial" pitchFamily="34" charset="0"/>
+                <a:cs typeface="Arial" pitchFamily="34" charset="0"/>
+              </a:rPr>
+              <a:t>índices</a:t>
+            </a:r>
+            <a:r>
+              <a:rPr lang="es-ES" sz="2300" dirty="0">
+                <a:solidFill>
+                  <a:schemeClr val="bg2">
+                    <a:lumMod val="25000"/>
+                  </a:schemeClr>
+                </a:solidFill>
+                <a:latin typeface="Arial" pitchFamily="34" charset="0"/>
+                <a:cs typeface="Arial" pitchFamily="34" charset="0"/>
+              </a:rPr>
+              <a:t>:</a:t>
+            </a:r>
+          </a:p>
+        </p:txBody>
+      </p:sp>
+      <p:sp>
+        <p:nvSpPr>
+          <p:cNvPr id="5" name="Rectangle 2"/>
+          <p:cNvSpPr>
+            <a:spLocks noChangeArrowheads="1"/>
+          </p:cNvSpPr>
+          <p:nvPr/>
+        </p:nvSpPr>
+        <p:spPr bwMode="auto">
+          <a:xfrm>
+            <a:off x="420194" y="69103"/>
+            <a:ext cx="8280400" cy="1143000"/>
+          </a:xfrm>
+          <a:prstGeom prst="rect">
+            <a:avLst/>
+          </a:prstGeom>
+          <a:noFill/>
+          <a:ln>
+            <a:noFill/>
+          </a:ln>
+          <a:effectLst/>
+          <a:extLst>
+            <a:ext uri="{909E8E84-426E-40DD-AFC4-6F175D3DCCD1}">
+              <a14:hiddenFill xmlns:a14="http://schemas.microsoft.com/office/drawing/2010/main">
+                <a:solidFill>
+                  <a:schemeClr val="accent1"/>
+                </a:solidFill>
+              </a14:hiddenFill>
+            </a:ext>
+            <a:ext uri="{91240B29-F687-4F45-9708-019B960494DF}">
+              <a14:hiddenLine xmlns:a14="http://schemas.microsoft.com/office/drawing/2010/main" w="9525">
+                <a:solidFill>
+                  <a:schemeClr val="tx1"/>
+                </a:solidFill>
+                <a:miter lim="800000"/>
+                <a:headEnd/>
+                <a:tailEnd/>
+              </a14:hiddenLine>
+            </a:ext>
+            <a:ext uri="{AF507438-7753-43E0-B8FC-AC1667EBCBE1}">
+              <a14:hiddenEffects xmlns:a14="http://schemas.microsoft.com/office/drawing/2010/main">
+                <a:effectLst>
+                  <a:outerShdw dist="35921" dir="2700000" algn="ctr" rotWithShape="0">
+                    <a:schemeClr val="bg2"/>
+                  </a:outerShdw>
+                </a:effectLst>
+              </a14:hiddenEffects>
+            </a:ext>
+          </a:extLst>
+        </p:spPr>
+        <p:txBody>
+          <a:bodyPr lIns="92075" tIns="46038" rIns="92075" bIns="46038" anchor="ctr"/>
+          <a:lstStyle/>
+          <a:p>
+            <a:pPr algn="ctr" eaLnBrk="0" hangingPunct="0">
+              <a:defRPr/>
+            </a:pPr>
+            <a:r>
+              <a:rPr lang="es-ES_tradnl" sz="4400" b="1" dirty="0">
+                <a:solidFill>
+                  <a:schemeClr val="accent4">
+                    <a:lumMod val="50000"/>
+                  </a:schemeClr>
+                </a:solidFill>
+                <a:effectLst>
+                  <a:outerShdw blurRad="38100" dist="38100" dir="2700000" algn="tl">
+                    <a:srgbClr val="C0C0C0"/>
+                  </a:outerShdw>
+                </a:effectLst>
+              </a:rPr>
+              <a:t>Diccionarios</a:t>
+            </a:r>
+          </a:p>
+        </p:txBody>
+      </p:sp>
+      <p:pic>
+        <p:nvPicPr>
+          <p:cNvPr id="4" name="Imagen 3">
+            <a:extLst>
+              <a:ext uri="{FF2B5EF4-FFF2-40B4-BE49-F238E27FC236}">
+                <a16:creationId xmlns:a16="http://schemas.microsoft.com/office/drawing/2014/main" id="{7E42CDF1-5E08-4367-B01F-3DE46D4CEDE5}"/>
+              </a:ext>
+            </a:extLst>
+          </p:cNvPr>
+          <p:cNvPicPr>
+            <a:picLocks noChangeAspect="1"/>
+          </p:cNvPicPr>
+          <p:nvPr/>
+        </p:nvPicPr>
+        <p:blipFill>
+          <a:blip r:embed="rId3"/>
+          <a:stretch>
+            <a:fillRect/>
+          </a:stretch>
+        </p:blipFill>
+        <p:spPr>
+          <a:xfrm>
+            <a:off x="1043608" y="2708920"/>
+            <a:ext cx="7414622" cy="2160240"/>
+          </a:xfrm>
+          <a:prstGeom prst="rect">
+            <a:avLst/>
+          </a:prstGeom>
+        </p:spPr>
+      </p:pic>
+      <p:pic>
+        <p:nvPicPr>
+          <p:cNvPr id="7" name="Picture 4">
+            <a:extLst>
+              <a:ext uri="{FF2B5EF4-FFF2-40B4-BE49-F238E27FC236}">
+                <a16:creationId xmlns:a16="http://schemas.microsoft.com/office/drawing/2014/main" id="{35C5C66F-D552-4235-AD84-69FDEF5D63D9}"/>
+              </a:ext>
+            </a:extLst>
+          </p:cNvPr>
+          <p:cNvPicPr>
+            <a:picLocks noChangeAspect="1" noChangeArrowheads="1"/>
+          </p:cNvPicPr>
+          <p:nvPr/>
+        </p:nvPicPr>
+        <p:blipFill>
+          <a:blip r:embed="rId4">
+            <a:extLst>
+              <a:ext uri="{28A0092B-C50C-407E-A947-70E740481C1C}">
+                <a14:useLocalDpi xmlns:a14="http://schemas.microsoft.com/office/drawing/2010/main" val="0"/>
+              </a:ext>
+            </a:extLst>
+          </a:blip>
+          <a:srcRect/>
+          <a:stretch>
+            <a:fillRect/>
+          </a:stretch>
+        </p:blipFill>
+        <p:spPr bwMode="auto">
+          <a:xfrm>
+            <a:off x="6309095" y="4869160"/>
+            <a:ext cx="2171651" cy="1313584"/>
+          </a:xfrm>
+          <a:prstGeom prst="rect">
+            <a:avLst/>
+          </a:prstGeom>
+          <a:noFill/>
+          <a:ln>
+            <a:noFill/>
+          </a:ln>
+          <a:extLst>
+            <a:ext uri="{909E8E84-426E-40DD-AFC4-6F175D3DCCD1}">
+              <a14:hiddenFill xmlns:a14="http://schemas.microsoft.com/office/drawing/2010/main">
+                <a:solidFill>
+                  <a:schemeClr val="accent1"/>
+                </a:solidFill>
+              </a14:hiddenFill>
+            </a:ext>
+            <a:ext uri="{91240B29-F687-4F45-9708-019B960494DF}">
+              <a14:hiddenLine xmlns:a14="http://schemas.microsoft.com/office/drawing/2010/main" w="9525">
+                <a:solidFill>
+                  <a:schemeClr val="tx1"/>
+                </a:solidFill>
+                <a:miter lim="800000"/>
+                <a:headEnd/>
+                <a:tailEnd/>
+              </a14:hiddenLine>
+            </a:ext>
+          </a:extLst>
+        </p:spPr>
+      </p:pic>
+    </p:spTree>
+    <p:extLst>
+      <p:ext uri="{BB962C8B-B14F-4D97-AF65-F5344CB8AC3E}">
+        <p14:creationId xmlns:p14="http://schemas.microsoft.com/office/powerpoint/2010/main" val="1719180147"/>
+      </p:ext>
+    </p:extLst>
+  </p:cSld>
+  <p:clrMapOvr>
+    <a:masterClrMapping/>
+  </p:clrMapOvr>
+  <p:timing>
+    <p:tnLst>
+      <p:par>
+        <p:cTn id="1" dur="indefinite" restart="never" nodeType="tmRoot">
+          <p:childTnLst>
+            <p:seq concurrent="1" nextAc="seek">
+              <p:cTn id="2" dur="indefinite" nodeType="mainSeq">
+                <p:childTnLst>
+                  <p:par>
+                    <p:cTn id="3" fill="hold" nodeType="clickPar">
+                      <p:stCondLst>
+                        <p:cond delay="indefinite"/>
+                      </p:stCondLst>
+                      <p:childTnLst>
+                        <p:par>
+                          <p:cTn id="4" fill="hold" nodeType="withGroup">
+                            <p:stCondLst>
+                              <p:cond delay="0"/>
+                            </p:stCondLst>
+                            <p:childTnLst>
+                              <p:par>
+                                <p:cTn id="5" presetID="2" presetClass="entr" presetSubtype="6" fill="hold" grpId="0" nodeType="clickEffect">
+                                  <p:stCondLst>
+                                    <p:cond delay="0"/>
+                                  </p:stCondLst>
+                                  <p:childTnLst>
+                                    <p:set>
+                                      <p:cBhvr>
+                                        <p:cTn id="6" dur="1" fill="hold">
+                                          <p:stCondLst>
+                                            <p:cond delay="0"/>
+                                          </p:stCondLst>
+                                        </p:cTn>
+                                        <p:tgtEl>
+                                          <p:spTgt spid="246787"/>
+                                        </p:tgtEl>
+                                        <p:attrNameLst>
+                                          <p:attrName>style.visibility</p:attrName>
+                                        </p:attrNameLst>
+                                      </p:cBhvr>
+                                      <p:to>
+                                        <p:strVal val="visible"/>
+                                      </p:to>
+                                    </p:set>
+                                    <p:anim calcmode="lin" valueType="num">
+                                      <p:cBhvr additive="base">
+                                        <p:cTn id="7" dur="500" fill="hold"/>
+                                        <p:tgtEl>
+                                          <p:spTgt spid="246787"/>
+                                        </p:tgtEl>
+                                        <p:attrNameLst>
+                                          <p:attrName>ppt_x</p:attrName>
+                                        </p:attrNameLst>
+                                      </p:cBhvr>
+                                      <p:tavLst>
+                                        <p:tav tm="0">
+                                          <p:val>
+                                            <p:strVal val="1+#ppt_w/2"/>
+                                          </p:val>
+                                        </p:tav>
+                                        <p:tav tm="100000">
+                                          <p:val>
+                                            <p:strVal val="#ppt_x"/>
+                                          </p:val>
+                                        </p:tav>
+                                      </p:tavLst>
+                                    </p:anim>
+                                    <p:anim calcmode="lin" valueType="num">
+                                      <p:cBhvr additive="base">
+                                        <p:cTn id="8" dur="500" fill="hold"/>
+                                        <p:tgtEl>
+                                          <p:spTgt spid="246787"/>
+                                        </p:tgtEl>
+                                        <p:attrNameLst>
+                                          <p:attrName>ppt_y</p:attrName>
+                                        </p:attrNameLst>
+                                      </p:cBhvr>
+                                      <p:tavLst>
+                                        <p:tav tm="0">
+                                          <p:val>
+                                            <p:strVal val="1+#ppt_h/2"/>
+                                          </p:val>
+                                        </p:tav>
+                                        <p:tav tm="100000">
+                                          <p:val>
+                                            <p:strVal val="#ppt_y"/>
+                                          </p:val>
+                                        </p:tav>
+                                      </p:tavLst>
+                                    </p:anim>
+                                  </p:childTnLst>
+                                </p:cTn>
+                              </p:par>
+                            </p:childTnLst>
+                          </p:cTn>
+                        </p:par>
+                      </p:childTnLst>
+                    </p:cTn>
+                  </p:par>
+                </p:childTnLst>
+              </p:cTn>
+              <p:prevCondLst>
+                <p:cond evt="onPrev" delay="0">
+                  <p:tgtEl>
+                    <p:sldTgt/>
+                  </p:tgtEl>
+                </p:cond>
+              </p:prevCondLst>
+              <p:nextCondLst>
+                <p:cond evt="onNext" delay="0">
+                  <p:tgtEl>
+                    <p:sldTgt/>
+                  </p:tgtEl>
+                </p:cond>
+              </p:nextCondLst>
+            </p:seq>
+          </p:childTnLst>
+        </p:cTn>
+      </p:par>
+    </p:tnLst>
+    <p:bldLst>
+      <p:bldP spid="246787" grpId="0" autoUpdateAnimBg="0"/>
+    </p:bldLst>
+  </p:timing>
+</p:sld>
+</file>
+
+<file path=ppt/slides/slide12.xml><?xml version="1.0" encoding="utf-8"?>
+<p:sld xmlns:a="http://schemas.openxmlformats.org/drawingml/2006/main" xmlns:r="http://schemas.openxmlformats.org/officeDocument/2006/relationships" xmlns:p="http://schemas.openxmlformats.org/presentationml/2006/main">
+  <p:cSld>
+    <p:spTree>
+      <p:nvGrpSpPr>
+        <p:cNvPr id="1" name=""/>
+        <p:cNvGrpSpPr/>
+        <p:nvPr/>
+      </p:nvGrpSpPr>
+      <p:grpSpPr>
+        <a:xfrm>
+          <a:off x="0" y="0"/>
+          <a:ext cx="0" cy="0"/>
+          <a:chOff x="0" y="0"/>
+          <a:chExt cx="0" cy="0"/>
+        </a:xfrm>
+      </p:grpSpPr>
+      <p:sp>
+        <p:nvSpPr>
+          <p:cNvPr id="246787" name="Rectangle 3"/>
+          <p:cNvSpPr>
+            <a:spLocks noChangeArrowheads="1"/>
+          </p:cNvSpPr>
+          <p:nvPr/>
+        </p:nvSpPr>
+        <p:spPr bwMode="auto">
+          <a:xfrm>
+            <a:off x="559838" y="1340768"/>
+            <a:ext cx="7835890" cy="1089210"/>
+          </a:xfrm>
+          <a:prstGeom prst="rect">
+            <a:avLst/>
+          </a:prstGeom>
+          <a:noFill/>
+          <a:ln>
+            <a:noFill/>
+          </a:ln>
+          <a:effectLst/>
+          <a:extLst>
+            <a:ext uri="{909E8E84-426E-40DD-AFC4-6F175D3DCCD1}">
+              <a14:hiddenFill xmlns:a14="http://schemas.microsoft.com/office/drawing/2010/main">
+                <a:solidFill>
+                  <a:schemeClr val="accent1"/>
+                </a:solidFill>
+              </a14:hiddenFill>
+            </a:ext>
+            <a:ext uri="{91240B29-F687-4F45-9708-019B960494DF}">
+              <a14:hiddenLine xmlns:a14="http://schemas.microsoft.com/office/drawing/2010/main" w="9525">
+                <a:solidFill>
+                  <a:schemeClr val="tx1"/>
+                </a:solidFill>
+                <a:miter lim="800000"/>
+                <a:headEnd/>
+                <a:tailEnd/>
+              </a14:hiddenLine>
+            </a:ext>
+            <a:ext uri="{AF507438-7753-43E0-B8FC-AC1667EBCBE1}">
+              <a14:hiddenEffects xmlns:a14="http://schemas.microsoft.com/office/drawing/2010/main">
+                <a:effectLst>
+                  <a:outerShdw dist="35921" dir="2700000" algn="ctr" rotWithShape="0">
+                    <a:schemeClr val="bg2"/>
+                  </a:outerShdw>
+                </a:effectLst>
+              </a14:hiddenEffects>
+            </a:ext>
+          </a:extLst>
+        </p:spPr>
+        <p:txBody>
+          <a:bodyPr wrap="square" lIns="92075" tIns="46038" rIns="92075" bIns="46038">
+            <a:spAutoFit/>
+          </a:bodyPr>
+          <a:lstStyle/>
+          <a:p>
+            <a:pPr marL="457200" indent="-457200" algn="just" eaLnBrk="0" hangingPunct="0">
+              <a:lnSpc>
+                <a:spcPct val="150000"/>
+              </a:lnSpc>
+              <a:buFont typeface="+mj-lt"/>
               <a:buAutoNum type="arabicPeriod" startAt="4"/>
             </a:pPr>
             <a:r>
@@ -6793,7 +7349,7 @@
 </p:sld>
 </file>
 
-<file path=ppt/slides/slide12.xml><?xml version="1.0" encoding="utf-8"?>
+<file path=ppt/slides/slide13.xml><?xml version="1.0" encoding="utf-8"?>
 <p:sld xmlns:a="http://schemas.openxmlformats.org/drawingml/2006/main" xmlns:r="http://schemas.openxmlformats.org/officeDocument/2006/relationships" xmlns:p="http://schemas.openxmlformats.org/presentationml/2006/main">
   <p:cSld>
     <p:spTree>
@@ -7239,7 +7795,7 @@
 </p:sld>
 </file>
 
-<file path=ppt/slides/slide13.xml><?xml version="1.0" encoding="utf-8"?>
+<file path=ppt/slides/slide14.xml><?xml version="1.0" encoding="utf-8"?>
 <p:sld xmlns:a="http://schemas.openxmlformats.org/drawingml/2006/main" xmlns:r="http://schemas.openxmlformats.org/officeDocument/2006/relationships" xmlns:p="http://schemas.openxmlformats.org/presentationml/2006/main">
   <p:cSld>
     <p:spTree>
@@ -7637,7 +8193,7 @@
 </p:sld>
 </file>
 
-<file path=ppt/slides/slide14.xml><?xml version="1.0" encoding="utf-8"?>
+<file path=ppt/slides/slide15.xml><?xml version="1.0" encoding="utf-8"?>
 <p:sld xmlns:a="http://schemas.openxmlformats.org/drawingml/2006/main" xmlns:r="http://schemas.openxmlformats.org/officeDocument/2006/relationships" xmlns:p="http://schemas.openxmlformats.org/presentationml/2006/main">
   <p:cSld>
     <p:spTree>
@@ -8035,7 +8591,7 @@
 </p:sld>
 </file>
 
-<file path=ppt/slides/slide15.xml><?xml version="1.0" encoding="utf-8"?>
+<file path=ppt/slides/slide16.xml><?xml version="1.0" encoding="utf-8"?>
 <p:sld xmlns:a="http://schemas.openxmlformats.org/drawingml/2006/main" xmlns:r="http://schemas.openxmlformats.org/officeDocument/2006/relationships" xmlns:p="http://schemas.openxmlformats.org/presentationml/2006/main">
   <p:cSld>
     <p:spTree>
@@ -8505,7 +9061,7 @@
 </p:sld>
 </file>
 
-<file path=ppt/slides/slide16.xml><?xml version="1.0" encoding="utf-8"?>
+<file path=ppt/slides/slide17.xml><?xml version="1.0" encoding="utf-8"?>
 <p:sld xmlns:a="http://schemas.openxmlformats.org/drawingml/2006/main" xmlns:r="http://schemas.openxmlformats.org/officeDocument/2006/relationships" xmlns:p="http://schemas.openxmlformats.org/presentationml/2006/main">
   <p:cSld>
     <p:spTree>
@@ -8903,7 +9459,7 @@
 </p:sld>
 </file>
 
-<file path=ppt/slides/slide17.xml><?xml version="1.0" encoding="utf-8"?>
+<file path=ppt/slides/slide18.xml><?xml version="1.0" encoding="utf-8"?>
 <p:sld xmlns:a="http://schemas.openxmlformats.org/drawingml/2006/main" xmlns:r="http://schemas.openxmlformats.org/officeDocument/2006/relationships" xmlns:p="http://schemas.openxmlformats.org/presentationml/2006/main">
   <p:cSld>
     <p:spTree>
@@ -9339,7 +9895,7 @@
 </p:sld>
 </file>
 
-<file path=ppt/slides/slide18.xml><?xml version="1.0" encoding="utf-8"?>
+<file path=ppt/slides/slide19.xml><?xml version="1.0" encoding="utf-8"?>
 <p:sld xmlns:a="http://schemas.openxmlformats.org/drawingml/2006/main" xmlns:r="http://schemas.openxmlformats.org/officeDocument/2006/relationships" xmlns:p="http://schemas.openxmlformats.org/presentationml/2006/main">
   <p:cSld>
     <p:spTree>
@@ -13192,6 +13748,523 @@
       </p:grpSpPr>
       <p:sp>
         <p:nvSpPr>
+          <p:cNvPr id="5" name="Rectangle 2"/>
+          <p:cNvSpPr>
+            <a:spLocks noChangeArrowheads="1"/>
+          </p:cNvSpPr>
+          <p:nvPr/>
+        </p:nvSpPr>
+        <p:spPr bwMode="auto">
+          <a:xfrm>
+            <a:off x="396056" y="188640"/>
+            <a:ext cx="8280400" cy="1143000"/>
+          </a:xfrm>
+          <a:prstGeom prst="rect">
+            <a:avLst/>
+          </a:prstGeom>
+          <a:noFill/>
+          <a:ln>
+            <a:noFill/>
+          </a:ln>
+          <a:effectLst/>
+          <a:extLst>
+            <a:ext uri="{909E8E84-426E-40DD-AFC4-6F175D3DCCD1}">
+              <a14:hiddenFill xmlns:a14="http://schemas.microsoft.com/office/drawing/2010/main">
+                <a:solidFill>
+                  <a:schemeClr val="accent1"/>
+                </a:solidFill>
+              </a14:hiddenFill>
+            </a:ext>
+            <a:ext uri="{91240B29-F687-4F45-9708-019B960494DF}">
+              <a14:hiddenLine xmlns:a14="http://schemas.microsoft.com/office/drawing/2010/main" w="9525">
+                <a:solidFill>
+                  <a:schemeClr val="tx1"/>
+                </a:solidFill>
+                <a:miter lim="800000"/>
+                <a:headEnd/>
+                <a:tailEnd/>
+              </a14:hiddenLine>
+            </a:ext>
+            <a:ext uri="{AF507438-7753-43E0-B8FC-AC1667EBCBE1}">
+              <a14:hiddenEffects xmlns:a14="http://schemas.microsoft.com/office/drawing/2010/main">
+                <a:effectLst>
+                  <a:outerShdw dist="35921" dir="2700000" algn="ctr" rotWithShape="0">
+                    <a:schemeClr val="bg2"/>
+                  </a:outerShdw>
+                </a:effectLst>
+              </a14:hiddenEffects>
+            </a:ext>
+          </a:extLst>
+        </p:spPr>
+        <p:txBody>
+          <a:bodyPr lIns="92075" tIns="46038" rIns="92075" bIns="46038" anchor="ctr"/>
+          <a:lstStyle/>
+          <a:p>
+            <a:pPr algn="ctr" eaLnBrk="0" hangingPunct="0">
+              <a:defRPr/>
+            </a:pPr>
+            <a:r>
+              <a:rPr lang="es-ES_tradnl" sz="4400" b="1" dirty="0">
+                <a:solidFill>
+                  <a:schemeClr val="accent4">
+                    <a:lumMod val="50000"/>
+                  </a:schemeClr>
+                </a:solidFill>
+                <a:effectLst>
+                  <a:outerShdw blurRad="38100" dist="38100" dir="2700000" algn="tl">
+                    <a:srgbClr val="C0C0C0"/>
+                  </a:outerShdw>
+                </a:effectLst>
+              </a:rPr>
+              <a:t>Tuplas</a:t>
+            </a:r>
+          </a:p>
+        </p:txBody>
+      </p:sp>
+      <p:sp>
+        <p:nvSpPr>
+          <p:cNvPr id="6" name="Rectangle 3">
+            <a:extLst>
+              <a:ext uri="{FF2B5EF4-FFF2-40B4-BE49-F238E27FC236}">
+                <a16:creationId xmlns:a16="http://schemas.microsoft.com/office/drawing/2014/main" id="{3097F976-7886-4F69-9FC7-79E90B4E2B01}"/>
+              </a:ext>
+            </a:extLst>
+          </p:cNvPr>
+          <p:cNvSpPr>
+            <a:spLocks noChangeArrowheads="1"/>
+          </p:cNvSpPr>
+          <p:nvPr/>
+        </p:nvSpPr>
+        <p:spPr bwMode="auto">
+          <a:xfrm>
+            <a:off x="726256" y="1552457"/>
+            <a:ext cx="7620000" cy="558295"/>
+          </a:xfrm>
+          <a:prstGeom prst="rect">
+            <a:avLst/>
+          </a:prstGeom>
+          <a:noFill/>
+          <a:ln>
+            <a:noFill/>
+          </a:ln>
+          <a:effectLst/>
+          <a:extLst>
+            <a:ext uri="{909E8E84-426E-40DD-AFC4-6F175D3DCCD1}">
+              <a14:hiddenFill xmlns:a14="http://schemas.microsoft.com/office/drawing/2010/main">
+                <a:solidFill>
+                  <a:schemeClr val="accent1"/>
+                </a:solidFill>
+              </a14:hiddenFill>
+            </a:ext>
+            <a:ext uri="{91240B29-F687-4F45-9708-019B960494DF}">
+              <a14:hiddenLine xmlns:a14="http://schemas.microsoft.com/office/drawing/2010/main" w="9525">
+                <a:solidFill>
+                  <a:schemeClr val="tx1"/>
+                </a:solidFill>
+                <a:miter lim="800000"/>
+                <a:headEnd/>
+                <a:tailEnd/>
+              </a14:hiddenLine>
+            </a:ext>
+            <a:ext uri="{AF507438-7753-43E0-B8FC-AC1667EBCBE1}">
+              <a14:hiddenEffects xmlns:a14="http://schemas.microsoft.com/office/drawing/2010/main">
+                <a:effectLst>
+                  <a:outerShdw dist="35921" dir="2700000" algn="ctr" rotWithShape="0">
+                    <a:schemeClr val="bg2"/>
+                  </a:outerShdw>
+                </a:effectLst>
+              </a14:hiddenEffects>
+            </a:ext>
+          </a:extLst>
+        </p:spPr>
+        <p:txBody>
+          <a:bodyPr lIns="92075" tIns="46038" rIns="92075" bIns="46038">
+            <a:spAutoFit/>
+          </a:bodyPr>
+          <a:lstStyle/>
+          <a:p>
+            <a:pPr algn="just" eaLnBrk="0" hangingPunct="0">
+              <a:lnSpc>
+                <a:spcPct val="150000"/>
+              </a:lnSpc>
+            </a:pPr>
+            <a:r>
+              <a:rPr lang="es-MX" sz="2300" dirty="0">
+                <a:solidFill>
+                  <a:schemeClr val="bg2">
+                    <a:lumMod val="25000"/>
+                  </a:schemeClr>
+                </a:solidFill>
+                <a:latin typeface="Arial" pitchFamily="34" charset="0"/>
+                <a:cs typeface="Arial" pitchFamily="34" charset="0"/>
+              </a:rPr>
+              <a:t>Imprimir el contenido de una tupla con un ciclo </a:t>
+            </a:r>
+            <a:r>
+              <a:rPr lang="es-MX" sz="2300" dirty="0" err="1">
+                <a:solidFill>
+                  <a:schemeClr val="bg2">
+                    <a:lumMod val="25000"/>
+                  </a:schemeClr>
+                </a:solidFill>
+                <a:latin typeface="Arial" pitchFamily="34" charset="0"/>
+                <a:cs typeface="Arial" pitchFamily="34" charset="0"/>
+              </a:rPr>
+              <a:t>for</a:t>
+            </a:r>
+            <a:r>
+              <a:rPr lang="es-MX" sz="2300" dirty="0">
+                <a:solidFill>
+                  <a:schemeClr val="bg2">
+                    <a:lumMod val="25000"/>
+                  </a:schemeClr>
+                </a:solidFill>
+                <a:latin typeface="Arial" pitchFamily="34" charset="0"/>
+                <a:cs typeface="Arial" pitchFamily="34" charset="0"/>
+              </a:rPr>
+              <a:t>:</a:t>
+            </a:r>
+            <a:endParaRPr lang="es-ES" sz="2300" dirty="0">
+              <a:solidFill>
+                <a:schemeClr val="bg2">
+                  <a:lumMod val="25000"/>
+                </a:schemeClr>
+              </a:solidFill>
+              <a:latin typeface="Arial" pitchFamily="34" charset="0"/>
+              <a:cs typeface="Arial" pitchFamily="34" charset="0"/>
+            </a:endParaRPr>
+          </a:p>
+        </p:txBody>
+      </p:sp>
+      <p:sp>
+        <p:nvSpPr>
+          <p:cNvPr id="9" name="CuadroTexto 8">
+            <a:extLst>
+              <a:ext uri="{FF2B5EF4-FFF2-40B4-BE49-F238E27FC236}">
+                <a16:creationId xmlns:a16="http://schemas.microsoft.com/office/drawing/2014/main" id="{E78D3250-287C-4B62-B500-50A4DB01B236}"/>
+              </a:ext>
+            </a:extLst>
+          </p:cNvPr>
+          <p:cNvSpPr txBox="1"/>
+          <p:nvPr/>
+        </p:nvSpPr>
+        <p:spPr>
+          <a:xfrm>
+            <a:off x="726256" y="2383357"/>
+            <a:ext cx="6278140" cy="1463478"/>
+          </a:xfrm>
+          <a:prstGeom prst="rect">
+            <a:avLst/>
+          </a:prstGeom>
+          <a:noFill/>
+        </p:spPr>
+        <p:txBody>
+          <a:bodyPr wrap="square">
+            <a:spAutoFit/>
+          </a:bodyPr>
+          <a:lstStyle/>
+          <a:p>
+            <a:pPr>
+              <a:lnSpc>
+                <a:spcPct val="107000"/>
+              </a:lnSpc>
+              <a:spcAft>
+                <a:spcPts val="800"/>
+              </a:spcAft>
+            </a:pPr>
+            <a:r>
+              <a:rPr lang="es-MX" sz="2400" b="1" dirty="0">
+                <a:effectLst/>
+                <a:latin typeface="Consolas" panose="020B0609020204030204" pitchFamily="49" charset="0"/>
+                <a:ea typeface="Calibri" panose="020F0502020204030204" pitchFamily="34" charset="0"/>
+                <a:cs typeface="Times New Roman" panose="02020603050405020304" pitchFamily="18" charset="0"/>
+              </a:rPr>
+              <a:t>tupla = (1, 2, 3, 4)</a:t>
+            </a:r>
+          </a:p>
+          <a:p>
+            <a:pPr>
+              <a:lnSpc>
+                <a:spcPct val="107000"/>
+              </a:lnSpc>
+              <a:spcAft>
+                <a:spcPts val="800"/>
+              </a:spcAft>
+            </a:pPr>
+            <a:r>
+              <a:rPr lang="es-MX" sz="2400" b="1" dirty="0" err="1">
+                <a:latin typeface="Consolas" panose="020B0609020204030204" pitchFamily="49" charset="0"/>
+                <a:ea typeface="Calibri" panose="020F0502020204030204" pitchFamily="34" charset="0"/>
+                <a:cs typeface="Times New Roman" panose="02020603050405020304" pitchFamily="18" charset="0"/>
+              </a:rPr>
+              <a:t>for</a:t>
+            </a:r>
+            <a:r>
+              <a:rPr lang="es-MX" sz="2400" b="1" dirty="0">
+                <a:latin typeface="Consolas" panose="020B0609020204030204" pitchFamily="49" charset="0"/>
+                <a:ea typeface="Calibri" panose="020F0502020204030204" pitchFamily="34" charset="0"/>
+                <a:cs typeface="Times New Roman" panose="02020603050405020304" pitchFamily="18" charset="0"/>
+              </a:rPr>
+              <a:t> i in </a:t>
+            </a:r>
+            <a:r>
+              <a:rPr lang="es-MX" sz="2400" b="1" dirty="0" err="1">
+                <a:latin typeface="Consolas" panose="020B0609020204030204" pitchFamily="49" charset="0"/>
+                <a:ea typeface="Calibri" panose="020F0502020204030204" pitchFamily="34" charset="0"/>
+                <a:cs typeface="Times New Roman" panose="02020603050405020304" pitchFamily="18" charset="0"/>
+              </a:rPr>
+              <a:t>range</a:t>
+            </a:r>
+            <a:r>
+              <a:rPr lang="es-MX" sz="2400" b="1" dirty="0">
+                <a:latin typeface="Consolas" panose="020B0609020204030204" pitchFamily="49" charset="0"/>
+                <a:ea typeface="Calibri" panose="020F0502020204030204" pitchFamily="34" charset="0"/>
+                <a:cs typeface="Times New Roman" panose="02020603050405020304" pitchFamily="18" charset="0"/>
+              </a:rPr>
+              <a:t>(</a:t>
+            </a:r>
+            <a:r>
+              <a:rPr lang="es-MX" sz="2400" b="1" dirty="0" err="1">
+                <a:latin typeface="Consolas" panose="020B0609020204030204" pitchFamily="49" charset="0"/>
+                <a:ea typeface="Calibri" panose="020F0502020204030204" pitchFamily="34" charset="0"/>
+                <a:cs typeface="Times New Roman" panose="02020603050405020304" pitchFamily="18" charset="0"/>
+              </a:rPr>
+              <a:t>len</a:t>
+            </a:r>
+            <a:r>
+              <a:rPr lang="es-MX" sz="2400" b="1" dirty="0">
+                <a:latin typeface="Consolas" panose="020B0609020204030204" pitchFamily="49" charset="0"/>
+                <a:ea typeface="Calibri" panose="020F0502020204030204" pitchFamily="34" charset="0"/>
+                <a:cs typeface="Times New Roman" panose="02020603050405020304" pitchFamily="18" charset="0"/>
+              </a:rPr>
+              <a:t>(tupla)):</a:t>
+            </a:r>
+          </a:p>
+          <a:p>
+            <a:pPr>
+              <a:lnSpc>
+                <a:spcPct val="107000"/>
+              </a:lnSpc>
+              <a:spcAft>
+                <a:spcPts val="800"/>
+              </a:spcAft>
+            </a:pPr>
+            <a:r>
+              <a:rPr lang="es-MX" sz="2400" b="1" dirty="0">
+                <a:effectLst/>
+                <a:latin typeface="Consolas" panose="020B0609020204030204" pitchFamily="49" charset="0"/>
+                <a:ea typeface="Calibri" panose="020F0502020204030204" pitchFamily="34" charset="0"/>
+                <a:cs typeface="Times New Roman" panose="02020603050405020304" pitchFamily="18" charset="0"/>
+              </a:rPr>
+              <a:t>     </a:t>
+            </a:r>
+            <a:r>
+              <a:rPr lang="es-MX" sz="2400" b="1" dirty="0" err="1">
+                <a:effectLst/>
+                <a:latin typeface="Consolas" panose="020B0609020204030204" pitchFamily="49" charset="0"/>
+                <a:ea typeface="Calibri" panose="020F0502020204030204" pitchFamily="34" charset="0"/>
+                <a:cs typeface="Times New Roman" panose="02020603050405020304" pitchFamily="18" charset="0"/>
+              </a:rPr>
+              <a:t>print</a:t>
+            </a:r>
+            <a:r>
+              <a:rPr lang="es-MX" sz="2400" b="1" dirty="0">
+                <a:effectLst/>
+                <a:latin typeface="Consolas" panose="020B0609020204030204" pitchFamily="49" charset="0"/>
+                <a:ea typeface="Calibri" panose="020F0502020204030204" pitchFamily="34" charset="0"/>
+                <a:cs typeface="Times New Roman" panose="02020603050405020304" pitchFamily="18" charset="0"/>
+              </a:rPr>
+              <a:t>(tupla[i])</a:t>
+            </a:r>
+          </a:p>
+        </p:txBody>
+      </p:sp>
+      <p:pic>
+        <p:nvPicPr>
+          <p:cNvPr id="3" name="Imagen 2">
+            <a:extLst>
+              <a:ext uri="{FF2B5EF4-FFF2-40B4-BE49-F238E27FC236}">
+                <a16:creationId xmlns:a16="http://schemas.microsoft.com/office/drawing/2014/main" id="{88BC86F9-E2B0-FBB2-9B08-9E929B0D7F94}"/>
+              </a:ext>
+            </a:extLst>
+          </p:cNvPr>
+          <p:cNvPicPr>
+            <a:picLocks noChangeAspect="1"/>
+          </p:cNvPicPr>
+          <p:nvPr/>
+        </p:nvPicPr>
+        <p:blipFill>
+          <a:blip r:embed="rId3"/>
+          <a:stretch>
+            <a:fillRect/>
+          </a:stretch>
+        </p:blipFill>
+        <p:spPr>
+          <a:xfrm>
+            <a:off x="4283968" y="4019668"/>
+            <a:ext cx="4210050" cy="2571750"/>
+          </a:xfrm>
+          <a:prstGeom prst="rect">
+            <a:avLst/>
+          </a:prstGeom>
+        </p:spPr>
+      </p:pic>
+    </p:spTree>
+    <p:extLst>
+      <p:ext uri="{BB962C8B-B14F-4D97-AF65-F5344CB8AC3E}">
+        <p14:creationId xmlns:p14="http://schemas.microsoft.com/office/powerpoint/2010/main" val="1920614582"/>
+      </p:ext>
+    </p:extLst>
+  </p:cSld>
+  <p:clrMapOvr>
+    <a:masterClrMapping/>
+  </p:clrMapOvr>
+  <p:timing>
+    <p:tnLst>
+      <p:par>
+        <p:cTn id="1" dur="indefinite" restart="never" nodeType="tmRoot">
+          <p:childTnLst>
+            <p:seq concurrent="1" nextAc="seek">
+              <p:cTn id="2" dur="indefinite" nodeType="mainSeq">
+                <p:childTnLst>
+                  <p:par>
+                    <p:cTn id="3" fill="hold">
+                      <p:stCondLst>
+                        <p:cond delay="indefinite"/>
+                      </p:stCondLst>
+                      <p:childTnLst>
+                        <p:par>
+                          <p:cTn id="4" fill="hold">
+                            <p:stCondLst>
+                              <p:cond delay="0"/>
+                            </p:stCondLst>
+                            <p:childTnLst>
+                              <p:par>
+                                <p:cTn id="5" presetID="2" presetClass="entr" presetSubtype="6" fill="hold" grpId="0" nodeType="clickEffect">
+                                  <p:stCondLst>
+                                    <p:cond delay="0"/>
+                                  </p:stCondLst>
+                                  <p:childTnLst>
+                                    <p:set>
+                                      <p:cBhvr>
+                                        <p:cTn id="6" dur="1" fill="hold">
+                                          <p:stCondLst>
+                                            <p:cond delay="0"/>
+                                          </p:stCondLst>
+                                        </p:cTn>
+                                        <p:tgtEl>
+                                          <p:spTgt spid="6"/>
+                                        </p:tgtEl>
+                                        <p:attrNameLst>
+                                          <p:attrName>style.visibility</p:attrName>
+                                        </p:attrNameLst>
+                                      </p:cBhvr>
+                                      <p:to>
+                                        <p:strVal val="visible"/>
+                                      </p:to>
+                                    </p:set>
+                                    <p:anim calcmode="lin" valueType="num">
+                                      <p:cBhvr additive="base">
+                                        <p:cTn id="7" dur="500" fill="hold"/>
+                                        <p:tgtEl>
+                                          <p:spTgt spid="6"/>
+                                        </p:tgtEl>
+                                        <p:attrNameLst>
+                                          <p:attrName>ppt_x</p:attrName>
+                                        </p:attrNameLst>
+                                      </p:cBhvr>
+                                      <p:tavLst>
+                                        <p:tav tm="0">
+                                          <p:val>
+                                            <p:strVal val="1+#ppt_w/2"/>
+                                          </p:val>
+                                        </p:tav>
+                                        <p:tav tm="100000">
+                                          <p:val>
+                                            <p:strVal val="#ppt_x"/>
+                                          </p:val>
+                                        </p:tav>
+                                      </p:tavLst>
+                                    </p:anim>
+                                    <p:anim calcmode="lin" valueType="num">
+                                      <p:cBhvr additive="base">
+                                        <p:cTn id="8" dur="500" fill="hold"/>
+                                        <p:tgtEl>
+                                          <p:spTgt spid="6"/>
+                                        </p:tgtEl>
+                                        <p:attrNameLst>
+                                          <p:attrName>ppt_y</p:attrName>
+                                        </p:attrNameLst>
+                                      </p:cBhvr>
+                                      <p:tavLst>
+                                        <p:tav tm="0">
+                                          <p:val>
+                                            <p:strVal val="1+#ppt_h/2"/>
+                                          </p:val>
+                                        </p:tav>
+                                        <p:tav tm="100000">
+                                          <p:val>
+                                            <p:strVal val="#ppt_y"/>
+                                          </p:val>
+                                        </p:tav>
+                                      </p:tavLst>
+                                    </p:anim>
+                                  </p:childTnLst>
+                                </p:cTn>
+                              </p:par>
+                            </p:childTnLst>
+                          </p:cTn>
+                        </p:par>
+                      </p:childTnLst>
+                    </p:cTn>
+                  </p:par>
+                </p:childTnLst>
+              </p:cTn>
+              <p:prevCondLst>
+                <p:cond evt="onPrev" delay="0">
+                  <p:tgtEl>
+                    <p:sldTgt/>
+                  </p:tgtEl>
+                </p:cond>
+              </p:prevCondLst>
+              <p:nextCondLst>
+                <p:cond evt="onNext" delay="0">
+                  <p:tgtEl>
+                    <p:sldTgt/>
+                  </p:tgtEl>
+                </p:cond>
+              </p:nextCondLst>
+            </p:seq>
+          </p:childTnLst>
+        </p:cTn>
+      </p:par>
+    </p:tnLst>
+    <p:bldLst>
+      <p:bldP spid="6" grpId="0" autoUpdateAnimBg="0"/>
+    </p:bldLst>
+  </p:timing>
+</p:sld>
+</file>
+
+<file path=ppt/slides/slide8.xml><?xml version="1.0" encoding="utf-8"?>
+<p:sld xmlns:a="http://schemas.openxmlformats.org/drawingml/2006/main" xmlns:r="http://schemas.openxmlformats.org/officeDocument/2006/relationships" xmlns:p="http://schemas.openxmlformats.org/presentationml/2006/main">
+  <p:cSld>
+    <p:spTree>
+      <p:nvGrpSpPr>
+        <p:cNvPr id="1" name=""/>
+        <p:cNvGrpSpPr/>
+        <p:nvPr/>
+      </p:nvGrpSpPr>
+      <p:grpSpPr>
+        <a:xfrm>
+          <a:off x="0" y="0"/>
+          <a:ext cx="0" cy="0"/>
+          <a:chOff x="0" y="0"/>
+          <a:chExt cx="0" cy="0"/>
+        </a:xfrm>
+      </p:grpSpPr>
+      <p:sp>
+        <p:nvSpPr>
           <p:cNvPr id="246787" name="Rectangle 3"/>
           <p:cNvSpPr>
             <a:spLocks noChangeArrowheads="1"/>
@@ -13697,7 +14770,7 @@
 </p:sld>
 </file>
 
-<file path=ppt/slides/slide8.xml><?xml version="1.0" encoding="utf-8"?>
+<file path=ppt/slides/slide9.xml><?xml version="1.0" encoding="utf-8"?>
 <p:sld xmlns:a="http://schemas.openxmlformats.org/drawingml/2006/main" xmlns:r="http://schemas.openxmlformats.org/officeDocument/2006/relationships" xmlns:p="http://schemas.openxmlformats.org/presentationml/2006/main">
   <p:cSld>
     <p:spTree>
@@ -14616,427 +15689,6 @@
     <p:bldLst>
       <p:bldP spid="246787" grpId="0" autoUpdateAnimBg="0"/>
       <p:bldP spid="7" grpId="0" autoUpdateAnimBg="0"/>
-    </p:bldLst>
-  </p:timing>
-</p:sld>
-</file>
-
-<file path=ppt/slides/slide9.xml><?xml version="1.0" encoding="utf-8"?>
-<p:sld xmlns:a="http://schemas.openxmlformats.org/drawingml/2006/main" xmlns:r="http://schemas.openxmlformats.org/officeDocument/2006/relationships" xmlns:p="http://schemas.openxmlformats.org/presentationml/2006/main">
-  <p:cSld>
-    <p:spTree>
-      <p:nvGrpSpPr>
-        <p:cNvPr id="1" name=""/>
-        <p:cNvGrpSpPr/>
-        <p:nvPr/>
-      </p:nvGrpSpPr>
-      <p:grpSpPr>
-        <a:xfrm>
-          <a:off x="0" y="0"/>
-          <a:ext cx="0" cy="0"/>
-          <a:chOff x="0" y="0"/>
-          <a:chExt cx="0" cy="0"/>
-        </a:xfrm>
-      </p:grpSpPr>
-      <p:sp>
-        <p:nvSpPr>
-          <p:cNvPr id="246787" name="Rectangle 3"/>
-          <p:cNvSpPr>
-            <a:spLocks noChangeArrowheads="1"/>
-          </p:cNvSpPr>
-          <p:nvPr/>
-        </p:nvSpPr>
-        <p:spPr bwMode="auto">
-          <a:xfrm>
-            <a:off x="559837" y="1340768"/>
-            <a:ext cx="8140757" cy="1089210"/>
-          </a:xfrm>
-          <a:prstGeom prst="rect">
-            <a:avLst/>
-          </a:prstGeom>
-          <a:noFill/>
-          <a:ln>
-            <a:noFill/>
-          </a:ln>
-          <a:effectLst/>
-          <a:extLst>
-            <a:ext uri="{909E8E84-426E-40DD-AFC4-6F175D3DCCD1}">
-              <a14:hiddenFill xmlns:a14="http://schemas.microsoft.com/office/drawing/2010/main">
-                <a:solidFill>
-                  <a:schemeClr val="accent1"/>
-                </a:solidFill>
-              </a14:hiddenFill>
-            </a:ext>
-            <a:ext uri="{91240B29-F687-4F45-9708-019B960494DF}">
-              <a14:hiddenLine xmlns:a14="http://schemas.microsoft.com/office/drawing/2010/main" w="9525">
-                <a:solidFill>
-                  <a:schemeClr val="tx1"/>
-                </a:solidFill>
-                <a:miter lim="800000"/>
-                <a:headEnd/>
-                <a:tailEnd/>
-              </a14:hiddenLine>
-            </a:ext>
-            <a:ext uri="{AF507438-7753-43E0-B8FC-AC1667EBCBE1}">
-              <a14:hiddenEffects xmlns:a14="http://schemas.microsoft.com/office/drawing/2010/main">
-                <a:effectLst>
-                  <a:outerShdw dist="35921" dir="2700000" algn="ctr" rotWithShape="0">
-                    <a:schemeClr val="bg2"/>
-                  </a:outerShdw>
-                </a:effectLst>
-              </a14:hiddenEffects>
-            </a:ext>
-          </a:extLst>
-        </p:spPr>
-        <p:txBody>
-          <a:bodyPr wrap="square" lIns="92075" tIns="46038" rIns="92075" bIns="46038">
-            <a:spAutoFit/>
-          </a:bodyPr>
-          <a:lstStyle/>
-          <a:p>
-            <a:pPr marL="457200" indent="-457200" algn="just" eaLnBrk="0" hangingPunct="0">
-              <a:lnSpc>
-                <a:spcPct val="150000"/>
-              </a:lnSpc>
-              <a:buFont typeface="+mj-lt"/>
-              <a:buAutoNum type="arabicPeriod" startAt="2"/>
-            </a:pPr>
-            <a:r>
-              <a:rPr lang="es-ES" sz="2300" dirty="0">
-                <a:solidFill>
-                  <a:schemeClr val="bg2">
-                    <a:lumMod val="25000"/>
-                  </a:schemeClr>
-                </a:solidFill>
-                <a:latin typeface="Arial" pitchFamily="34" charset="0"/>
-                <a:cs typeface="Arial" pitchFamily="34" charset="0"/>
-              </a:rPr>
-              <a:t>Podemos acceder al elemento de un diccionario mediante la </a:t>
-            </a:r>
-            <a:r>
-              <a:rPr lang="es-ES" sz="2300" b="1" dirty="0">
-                <a:solidFill>
-                  <a:schemeClr val="accent6">
-                    <a:lumMod val="75000"/>
-                  </a:schemeClr>
-                </a:solidFill>
-                <a:latin typeface="Arial" pitchFamily="34" charset="0"/>
-                <a:cs typeface="Arial" pitchFamily="34" charset="0"/>
-              </a:rPr>
-              <a:t>clave</a:t>
-            </a:r>
-            <a:r>
-              <a:rPr lang="es-ES" sz="2300" dirty="0">
-                <a:solidFill>
-                  <a:schemeClr val="bg2">
-                    <a:lumMod val="25000"/>
-                  </a:schemeClr>
-                </a:solidFill>
-                <a:latin typeface="Arial" pitchFamily="34" charset="0"/>
-                <a:cs typeface="Arial" pitchFamily="34" charset="0"/>
-              </a:rPr>
-              <a:t> de este elemento:</a:t>
-            </a:r>
-          </a:p>
-        </p:txBody>
-      </p:sp>
-      <p:sp>
-        <p:nvSpPr>
-          <p:cNvPr id="5" name="Rectangle 2"/>
-          <p:cNvSpPr>
-            <a:spLocks noChangeArrowheads="1"/>
-          </p:cNvSpPr>
-          <p:nvPr/>
-        </p:nvSpPr>
-        <p:spPr bwMode="auto">
-          <a:xfrm>
-            <a:off x="420194" y="69103"/>
-            <a:ext cx="8280400" cy="1143000"/>
-          </a:xfrm>
-          <a:prstGeom prst="rect">
-            <a:avLst/>
-          </a:prstGeom>
-          <a:noFill/>
-          <a:ln>
-            <a:noFill/>
-          </a:ln>
-          <a:effectLst/>
-          <a:extLst>
-            <a:ext uri="{909E8E84-426E-40DD-AFC4-6F175D3DCCD1}">
-              <a14:hiddenFill xmlns:a14="http://schemas.microsoft.com/office/drawing/2010/main">
-                <a:solidFill>
-                  <a:schemeClr val="accent1"/>
-                </a:solidFill>
-              </a14:hiddenFill>
-            </a:ext>
-            <a:ext uri="{91240B29-F687-4F45-9708-019B960494DF}">
-              <a14:hiddenLine xmlns:a14="http://schemas.microsoft.com/office/drawing/2010/main" w="9525">
-                <a:solidFill>
-                  <a:schemeClr val="tx1"/>
-                </a:solidFill>
-                <a:miter lim="800000"/>
-                <a:headEnd/>
-                <a:tailEnd/>
-              </a14:hiddenLine>
-            </a:ext>
-            <a:ext uri="{AF507438-7753-43E0-B8FC-AC1667EBCBE1}">
-              <a14:hiddenEffects xmlns:a14="http://schemas.microsoft.com/office/drawing/2010/main">
-                <a:effectLst>
-                  <a:outerShdw dist="35921" dir="2700000" algn="ctr" rotWithShape="0">
-                    <a:schemeClr val="bg2"/>
-                  </a:outerShdw>
-                </a:effectLst>
-              </a14:hiddenEffects>
-            </a:ext>
-          </a:extLst>
-        </p:spPr>
-        <p:txBody>
-          <a:bodyPr lIns="92075" tIns="46038" rIns="92075" bIns="46038" anchor="ctr"/>
-          <a:lstStyle/>
-          <a:p>
-            <a:pPr algn="ctr" eaLnBrk="0" hangingPunct="0">
-              <a:defRPr/>
-            </a:pPr>
-            <a:r>
-              <a:rPr lang="es-ES_tradnl" sz="4400" b="1" dirty="0">
-                <a:solidFill>
-                  <a:schemeClr val="accent4">
-                    <a:lumMod val="50000"/>
-                  </a:schemeClr>
-                </a:solidFill>
-                <a:effectLst>
-                  <a:outerShdw blurRad="38100" dist="38100" dir="2700000" algn="tl">
-                    <a:srgbClr val="C0C0C0"/>
-                  </a:outerShdw>
-                </a:effectLst>
-              </a:rPr>
-              <a:t>Diccionarios</a:t>
-            </a:r>
-          </a:p>
-        </p:txBody>
-      </p:sp>
-      <p:pic>
-        <p:nvPicPr>
-          <p:cNvPr id="3" name="Imagen 2">
-            <a:extLst>
-              <a:ext uri="{FF2B5EF4-FFF2-40B4-BE49-F238E27FC236}">
-                <a16:creationId xmlns:a16="http://schemas.microsoft.com/office/drawing/2014/main" id="{45FCAE92-95CB-4215-BD69-59B5AFCCCECF}"/>
-              </a:ext>
-            </a:extLst>
-          </p:cNvPr>
-          <p:cNvPicPr>
-            <a:picLocks noChangeAspect="1"/>
-          </p:cNvPicPr>
-          <p:nvPr/>
-        </p:nvPicPr>
-        <p:blipFill>
-          <a:blip r:embed="rId3"/>
-          <a:stretch>
-            <a:fillRect/>
-          </a:stretch>
-        </p:blipFill>
-        <p:spPr>
-          <a:xfrm>
-            <a:off x="724043" y="2780928"/>
-            <a:ext cx="7976551" cy="2361914"/>
-          </a:xfrm>
-          <a:prstGeom prst="rect">
-            <a:avLst/>
-          </a:prstGeom>
-        </p:spPr>
-      </p:pic>
-      <p:pic>
-        <p:nvPicPr>
-          <p:cNvPr id="9" name="Picture 4">
-            <a:extLst>
-              <a:ext uri="{FF2B5EF4-FFF2-40B4-BE49-F238E27FC236}">
-                <a16:creationId xmlns:a16="http://schemas.microsoft.com/office/drawing/2014/main" id="{AF431C36-C5E7-4163-9382-54BE0B62C678}"/>
-              </a:ext>
-            </a:extLst>
-          </p:cNvPr>
-          <p:cNvPicPr>
-            <a:picLocks noChangeAspect="1" noChangeArrowheads="1"/>
-          </p:cNvPicPr>
-          <p:nvPr/>
-        </p:nvPicPr>
-        <p:blipFill>
-          <a:blip r:embed="rId4">
-            <a:extLst>
-              <a:ext uri="{28A0092B-C50C-407E-A947-70E740481C1C}">
-                <a14:useLocalDpi xmlns:a14="http://schemas.microsoft.com/office/drawing/2010/main" val="0"/>
-              </a:ext>
-            </a:extLst>
-          </a:blip>
-          <a:srcRect/>
-          <a:stretch>
-            <a:fillRect/>
-          </a:stretch>
-        </p:blipFill>
-        <p:spPr bwMode="auto">
-          <a:xfrm>
-            <a:off x="6515759" y="4941168"/>
-            <a:ext cx="2171651" cy="1313584"/>
-          </a:xfrm>
-          <a:prstGeom prst="rect">
-            <a:avLst/>
-          </a:prstGeom>
-          <a:noFill/>
-          <a:ln>
-            <a:noFill/>
-          </a:ln>
-          <a:extLst>
-            <a:ext uri="{909E8E84-426E-40DD-AFC4-6F175D3DCCD1}">
-              <a14:hiddenFill xmlns:a14="http://schemas.microsoft.com/office/drawing/2010/main">
-                <a:solidFill>
-                  <a:schemeClr val="accent1"/>
-                </a:solidFill>
-              </a14:hiddenFill>
-            </a:ext>
-            <a:ext uri="{91240B29-F687-4F45-9708-019B960494DF}">
-              <a14:hiddenLine xmlns:a14="http://schemas.microsoft.com/office/drawing/2010/main" w="9525">
-                <a:solidFill>
-                  <a:schemeClr val="tx1"/>
-                </a:solidFill>
-                <a:miter lim="800000"/>
-                <a:headEnd/>
-                <a:tailEnd/>
-              </a14:hiddenLine>
-            </a:ext>
-          </a:extLst>
-        </p:spPr>
-      </p:pic>
-    </p:spTree>
-    <p:extLst>
-      <p:ext uri="{BB962C8B-B14F-4D97-AF65-F5344CB8AC3E}">
-        <p14:creationId xmlns:p14="http://schemas.microsoft.com/office/powerpoint/2010/main" val="583684175"/>
-      </p:ext>
-    </p:extLst>
-  </p:cSld>
-  <p:clrMapOvr>
-    <a:masterClrMapping/>
-  </p:clrMapOvr>
-  <p:timing>
-    <p:tnLst>
-      <p:par>
-        <p:cTn id="1" dur="indefinite" restart="never" nodeType="tmRoot">
-          <p:childTnLst>
-            <p:seq concurrent="1" nextAc="seek">
-              <p:cTn id="2" dur="indefinite" nodeType="mainSeq">
-                <p:childTnLst>
-                  <p:par>
-                    <p:cTn id="3" fill="hold" nodeType="clickPar">
-                      <p:stCondLst>
-                        <p:cond delay="indefinite"/>
-                      </p:stCondLst>
-                      <p:childTnLst>
-                        <p:par>
-                          <p:cTn id="4" fill="hold" nodeType="withGroup">
-                            <p:stCondLst>
-                              <p:cond delay="0"/>
-                            </p:stCondLst>
-                            <p:childTnLst>
-                              <p:par>
-                                <p:cTn id="5" presetID="2" presetClass="entr" presetSubtype="6" fill="hold" grpId="0" nodeType="clickEffect">
-                                  <p:stCondLst>
-                                    <p:cond delay="0"/>
-                                  </p:stCondLst>
-                                  <p:childTnLst>
-                                    <p:set>
-                                      <p:cBhvr>
-                                        <p:cTn id="6" dur="1" fill="hold">
-                                          <p:stCondLst>
-                                            <p:cond delay="0"/>
-                                          </p:stCondLst>
-                                        </p:cTn>
-                                        <p:tgtEl>
-                                          <p:spTgt spid="246787"/>
-                                        </p:tgtEl>
-                                        <p:attrNameLst>
-                                          <p:attrName>style.visibility</p:attrName>
-                                        </p:attrNameLst>
-                                      </p:cBhvr>
-                                      <p:to>
-                                        <p:strVal val="visible"/>
-                                      </p:to>
-                                    </p:set>
-                                    <p:anim calcmode="lin" valueType="num">
-                                      <p:cBhvr additive="base">
-                                        <p:cTn id="7" dur="500" fill="hold"/>
-                                        <p:tgtEl>
-                                          <p:spTgt spid="246787"/>
-                                        </p:tgtEl>
-                                        <p:attrNameLst>
-                                          <p:attrName>ppt_x</p:attrName>
-                                        </p:attrNameLst>
-                                      </p:cBhvr>
-                                      <p:tavLst>
-                                        <p:tav tm="0">
-                                          <p:val>
-                                            <p:strVal val="1+#ppt_w/2"/>
-                                          </p:val>
-                                        </p:tav>
-                                        <p:tav tm="100000">
-                                          <p:val>
-                                            <p:strVal val="#ppt_x"/>
-                                          </p:val>
-                                        </p:tav>
-                                      </p:tavLst>
-                                    </p:anim>
-                                    <p:anim calcmode="lin" valueType="num">
-                                      <p:cBhvr additive="base">
-                                        <p:cTn id="8" dur="500" fill="hold"/>
-                                        <p:tgtEl>
-                                          <p:spTgt spid="246787"/>
-                                        </p:tgtEl>
-                                        <p:attrNameLst>
-                                          <p:attrName>ppt_y</p:attrName>
-                                        </p:attrNameLst>
-                                      </p:cBhvr>
-                                      <p:tavLst>
-                                        <p:tav tm="0">
-                                          <p:val>
-                                            <p:strVal val="1+#ppt_h/2"/>
-                                          </p:val>
-                                        </p:tav>
-                                        <p:tav tm="100000">
-                                          <p:val>
-                                            <p:strVal val="#ppt_y"/>
-                                          </p:val>
-                                        </p:tav>
-                                      </p:tavLst>
-                                    </p:anim>
-                                  </p:childTnLst>
-                                </p:cTn>
-                              </p:par>
-                            </p:childTnLst>
-                          </p:cTn>
-                        </p:par>
-                      </p:childTnLst>
-                    </p:cTn>
-                  </p:par>
-                </p:childTnLst>
-              </p:cTn>
-              <p:prevCondLst>
-                <p:cond evt="onPrev" delay="0">
-                  <p:tgtEl>
-                    <p:sldTgt/>
-                  </p:tgtEl>
-                </p:cond>
-              </p:prevCondLst>
-              <p:nextCondLst>
-                <p:cond evt="onNext" delay="0">
-                  <p:tgtEl>
-                    <p:sldTgt/>
-                  </p:tgtEl>
-                </p:cond>
-              </p:nextCondLst>
-            </p:seq>
-          </p:childTnLst>
-        </p:cTn>
-      </p:par>
-    </p:tnLst>
-    <p:bldLst>
-      <p:bldP spid="246787" grpId="0" autoUpdateAnimBg="0"/>
     </p:bldLst>
   </p:timing>
 </p:sld>
